--- a/Presentation/AtliQ Motors Project.pptx
+++ b/Presentation/AtliQ Motors Project.pptx
@@ -119,6 +119,11 @@
       </a:defRPr>
     </a:lvl9pPr>
   </p:defaultTextStyle>
+  <p:extLst>
+    <p:ext uri="{EFAFB233-063F-42B5-8137-9DF3F51BA10A}">
+      <p15:sldGuideLst xmlns:p15="http://schemas.microsoft.com/office/powerpoint/2012/main"/>
+    </p:ext>
+  </p:extLst>
 </p:presentation>
 </file>
 
@@ -621,7 +626,7 @@
           <a:p>
             <a:fld id="{96F2000B-7437-46D6-A2D8-83B5317C80E0}" type="datetimeFigureOut">
               <a:rPr lang="en-US" smtClean="0"/>
-              <a:t>10/9/2024</a:t>
+              <a:t>10/10/2024</a:t>
             </a:fld>
             <a:endParaRPr lang="en-US"/>
           </a:p>
@@ -821,7 +826,7 @@
           <a:p>
             <a:fld id="{96F2000B-7437-46D6-A2D8-83B5317C80E0}" type="datetimeFigureOut">
               <a:rPr lang="en-US" smtClean="0"/>
-              <a:t>10/9/2024</a:t>
+              <a:t>10/10/2024</a:t>
             </a:fld>
             <a:endParaRPr lang="en-US"/>
           </a:p>
@@ -1031,7 +1036,7 @@
           <a:p>
             <a:fld id="{96F2000B-7437-46D6-A2D8-83B5317C80E0}" type="datetimeFigureOut">
               <a:rPr lang="en-US" smtClean="0"/>
-              <a:t>10/9/2024</a:t>
+              <a:t>10/10/2024</a:t>
             </a:fld>
             <a:endParaRPr lang="en-US"/>
           </a:p>
@@ -1231,7 +1236,7 @@
           <a:p>
             <a:fld id="{96F2000B-7437-46D6-A2D8-83B5317C80E0}" type="datetimeFigureOut">
               <a:rPr lang="en-US" smtClean="0"/>
-              <a:t>10/9/2024</a:t>
+              <a:t>10/10/2024</a:t>
             </a:fld>
             <a:endParaRPr lang="en-US"/>
           </a:p>
@@ -1507,7 +1512,7 @@
           <a:p>
             <a:fld id="{96F2000B-7437-46D6-A2D8-83B5317C80E0}" type="datetimeFigureOut">
               <a:rPr lang="en-US" smtClean="0"/>
-              <a:t>10/9/2024</a:t>
+              <a:t>10/10/2024</a:t>
             </a:fld>
             <a:endParaRPr lang="en-US"/>
           </a:p>
@@ -1775,7 +1780,7 @@
           <a:p>
             <a:fld id="{96F2000B-7437-46D6-A2D8-83B5317C80E0}" type="datetimeFigureOut">
               <a:rPr lang="en-US" smtClean="0"/>
-              <a:t>10/9/2024</a:t>
+              <a:t>10/10/2024</a:t>
             </a:fld>
             <a:endParaRPr lang="en-US"/>
           </a:p>
@@ -2190,7 +2195,7 @@
           <a:p>
             <a:fld id="{96F2000B-7437-46D6-A2D8-83B5317C80E0}" type="datetimeFigureOut">
               <a:rPr lang="en-US" smtClean="0"/>
-              <a:t>10/9/2024</a:t>
+              <a:t>10/10/2024</a:t>
             </a:fld>
             <a:endParaRPr lang="en-US"/>
           </a:p>
@@ -2332,7 +2337,7 @@
           <a:p>
             <a:fld id="{96F2000B-7437-46D6-A2D8-83B5317C80E0}" type="datetimeFigureOut">
               <a:rPr lang="en-US" smtClean="0"/>
-              <a:t>10/9/2024</a:t>
+              <a:t>10/10/2024</a:t>
             </a:fld>
             <a:endParaRPr lang="en-US"/>
           </a:p>
@@ -2445,7 +2450,7 @@
           <a:p>
             <a:fld id="{96F2000B-7437-46D6-A2D8-83B5317C80E0}" type="datetimeFigureOut">
               <a:rPr lang="en-US" smtClean="0"/>
-              <a:t>10/9/2024</a:t>
+              <a:t>10/10/2024</a:t>
             </a:fld>
             <a:endParaRPr lang="en-US"/>
           </a:p>
@@ -2758,7 +2763,7 @@
           <a:p>
             <a:fld id="{96F2000B-7437-46D6-A2D8-83B5317C80E0}" type="datetimeFigureOut">
               <a:rPr lang="en-US" smtClean="0"/>
-              <a:t>10/9/2024</a:t>
+              <a:t>10/10/2024</a:t>
             </a:fld>
             <a:endParaRPr lang="en-US"/>
           </a:p>
@@ -3047,7 +3052,7 @@
           <a:p>
             <a:fld id="{96F2000B-7437-46D6-A2D8-83B5317C80E0}" type="datetimeFigureOut">
               <a:rPr lang="en-US" smtClean="0"/>
-              <a:t>10/9/2024</a:t>
+              <a:t>10/10/2024</a:t>
             </a:fld>
             <a:endParaRPr lang="en-US"/>
           </a:p>
@@ -3290,7 +3295,7 @@
           <a:p>
             <a:fld id="{96F2000B-7437-46D6-A2D8-83B5317C80E0}" type="datetimeFigureOut">
               <a:rPr lang="en-US" smtClean="0"/>
-              <a:t>10/9/2024</a:t>
+              <a:t>10/10/2024</a:t>
             </a:fld>
             <a:endParaRPr lang="en-US"/>
           </a:p>
@@ -4741,7 +4746,7 @@
                   </a:schemeClr>
                 </a:solidFill>
               </a:rPr>
-              <a:t>Preliminary Research Questions</a:t>
+              <a:t>Research Questions</a:t>
             </a:r>
           </a:p>
         </p:txBody>
